--- a/ppt/test.pptx
+++ b/ppt/test.pptx
@@ -19,6 +19,7 @@
     <p:sldId id="267" r:id="rId18"/>
     <p:sldId id="268" r:id="rId19"/>
     <p:sldId id="269" r:id="rId20"/>
+    <p:sldId id="270" r:id="rId21"/>
   </p:sldIdLst>
   <p:sldSz cx="7781544" cy="11896344" type="screen4x3"/>
   <p:notesSz cx="6858000" cy="9144000"/>
@@ -3097,7 +3098,7 @@
     <p:bg>
       <p:bgPr>
         <a:solidFill>
-          <a:srgbClr val="F3F1B5"/>
+          <a:srgbClr val="CC7D5F"/>
         </a:solidFill>
         <a:effectLst/>
       </p:bgPr>
@@ -3119,20 +3120,11 @@
             <p:ph type="ctrTitle"/>
           </p:nvPr>
         </p:nvSpPr>
-        <p:spPr>
-          <a:xfrm>
-            <a:off x="91440" y="1097280"/>
-            <a:ext cx="1828800" cy="0"/>
-          </a:xfrm>
-        </p:spPr>
-        <p:txBody>
-          <a:bodyPr/>
-          <a:lstStyle/>
-          <a:p>
-            <a:r>
-              <a:t>S.2</a:t>
-            </a:r>
-          </a:p>
+        <p:spPr/>
+        <p:txBody>
+          <a:bodyPr/>
+          <a:lstStyle/>
+          <a:p/>
         </p:txBody>
       </p:sp>
       <p:sp>
@@ -3168,32 +3160,8 @@
         </p:blipFill>
         <p:spPr>
           <a:xfrm>
-            <a:off x="274320" y="2286000"/>
-            <a:ext cx="14340405" cy="5029200"/>
-          </a:xfrm>
-          <a:prstGeom prst="rect">
-            <a:avLst/>
-          </a:prstGeom>
-        </p:spPr>
-      </p:pic>
-      <p:pic>
-        <p:nvPicPr>
-          <p:cNvPr id="5" name="Picture 4" descr="image.png"/>
-          <p:cNvPicPr>
-            <a:picLocks noChangeAspect="1"/>
-          </p:cNvPicPr>
-          <p:nvPr/>
-        </p:nvPicPr>
-        <p:blipFill>
-          <a:blip r:embed="rId3"/>
-          <a:stretch>
-            <a:fillRect/>
-          </a:stretch>
-        </p:blipFill>
-        <p:spPr>
-          <a:xfrm>
-            <a:off x="274320" y="10515600"/>
-            <a:ext cx="1368862" cy="1371600"/>
+            <a:off x="-778154" y="0"/>
+            <a:ext cx="7815883" cy="11896344"/>
           </a:xfrm>
           <a:prstGeom prst="rect">
             <a:avLst/>
@@ -3238,7 +3206,7 @@
         </p:nvSpPr>
         <p:spPr>
           <a:xfrm>
-            <a:off x="91440" y="1097280"/>
+            <a:off x="91440" y="914400"/>
             <a:ext cx="1828800" cy="0"/>
           </a:xfrm>
         </p:spPr>
@@ -3247,7 +3215,7 @@
           <a:lstStyle/>
           <a:p>
             <a:r>
-              <a:t>I.2</a:t>
+              <a:t>I.1</a:t>
             </a:r>
           </a:p>
         </p:txBody>
@@ -3309,7 +3277,7 @@
         </p:blipFill>
         <p:spPr>
           <a:xfrm>
-            <a:off x="274320" y="10515600"/>
+            <a:off x="274320" y="10058400"/>
             <a:ext cx="1368862" cy="1371600"/>
           </a:xfrm>
           <a:prstGeom prst="rect">
@@ -3355,7 +3323,7 @@
         </p:nvSpPr>
         <p:spPr>
           <a:xfrm>
-            <a:off x="91440" y="1097280"/>
+            <a:off x="91440" y="914400"/>
             <a:ext cx="1828800" cy="0"/>
           </a:xfrm>
         </p:spPr>
@@ -3364,7 +3332,7 @@
           <a:lstStyle/>
           <a:p>
             <a:r>
-              <a:t>S.5.6</a:t>
+              <a:t>I.2</a:t>
             </a:r>
           </a:p>
         </p:txBody>
@@ -3426,7 +3394,7 @@
         </p:blipFill>
         <p:spPr>
           <a:xfrm>
-            <a:off x="274320" y="10515600"/>
+            <a:off x="274320" y="10058400"/>
             <a:ext cx="1368862" cy="1371600"/>
           </a:xfrm>
           <a:prstGeom prst="rect">
@@ -3472,7 +3440,7 @@
         </p:nvSpPr>
         <p:spPr>
           <a:xfrm>
-            <a:off x="91440" y="1097280"/>
+            <a:off x="91440" y="914400"/>
             <a:ext cx="1828800" cy="0"/>
           </a:xfrm>
         </p:spPr>
@@ -3481,7 +3449,7 @@
           <a:lstStyle/>
           <a:p>
             <a:r>
-              <a:t>S.1</a:t>
+              <a:t>S.5.6</a:t>
             </a:r>
           </a:p>
         </p:txBody>
@@ -3505,7 +3473,7 @@
       </p:sp>
       <p:pic>
         <p:nvPicPr>
-          <p:cNvPr id="4" name="Picture 3" descr="image.jpg"/>
+          <p:cNvPr id="4" name="Picture 3" descr="image.png"/>
           <p:cNvPicPr>
             <a:picLocks noChangeAspect="1"/>
           </p:cNvPicPr>
@@ -3520,7 +3488,7 @@
         <p:spPr>
           <a:xfrm>
             <a:off x="274320" y="2286000"/>
-            <a:ext cx="7155833" cy="5029200"/>
+            <a:ext cx="14340405" cy="5029200"/>
           </a:xfrm>
           <a:prstGeom prst="rect">
             <a:avLst/>
@@ -3543,7 +3511,7 @@
         </p:blipFill>
         <p:spPr>
           <a:xfrm>
-            <a:off x="274320" y="10515600"/>
+            <a:off x="274320" y="10058400"/>
             <a:ext cx="1368862" cy="1371600"/>
           </a:xfrm>
           <a:prstGeom prst="rect">
@@ -3589,7 +3557,7 @@
         </p:nvSpPr>
         <p:spPr>
           <a:xfrm>
-            <a:off x="91440" y="1097280"/>
+            <a:off x="91440" y="914400"/>
             <a:ext cx="1828800" cy="0"/>
           </a:xfrm>
         </p:spPr>
@@ -3598,7 +3566,7 @@
           <a:lstStyle/>
           <a:p>
             <a:r>
-              <a:t>O.1</a:t>
+              <a:t>S.1</a:t>
             </a:r>
           </a:p>
         </p:txBody>
@@ -3622,7 +3590,7 @@
       </p:sp>
       <p:pic>
         <p:nvPicPr>
-          <p:cNvPr id="4" name="Picture 3" descr="image.png"/>
+          <p:cNvPr id="4" name="Picture 3" descr="image.jpg"/>
           <p:cNvPicPr>
             <a:picLocks noChangeAspect="1"/>
           </p:cNvPicPr>
@@ -3637,7 +3605,7 @@
         <p:spPr>
           <a:xfrm>
             <a:off x="274320" y="2286000"/>
-            <a:ext cx="14340405" cy="5029200"/>
+            <a:ext cx="7155833" cy="5029200"/>
           </a:xfrm>
           <a:prstGeom prst="rect">
             <a:avLst/>
@@ -3660,7 +3628,7 @@
         </p:blipFill>
         <p:spPr>
           <a:xfrm>
-            <a:off x="274320" y="10515600"/>
+            <a:off x="274320" y="10058400"/>
             <a:ext cx="1368862" cy="1371600"/>
           </a:xfrm>
           <a:prstGeom prst="rect">
@@ -3706,7 +3674,7 @@
         </p:nvSpPr>
         <p:spPr>
           <a:xfrm>
-            <a:off x="91440" y="1097280"/>
+            <a:off x="91440" y="914400"/>
             <a:ext cx="1828800" cy="0"/>
           </a:xfrm>
         </p:spPr>
@@ -3715,7 +3683,7 @@
           <a:lstStyle/>
           <a:p>
             <a:r>
-              <a:t>S.5.5</a:t>
+              <a:t>O.1</a:t>
             </a:r>
           </a:p>
         </p:txBody>
@@ -3777,7 +3745,124 @@
         </p:blipFill>
         <p:spPr>
           <a:xfrm>
-            <a:off x="274320" y="10515600"/>
+            <a:off x="274320" y="10058400"/>
+            <a:ext cx="1368862" cy="1371600"/>
+          </a:xfrm>
+          <a:prstGeom prst="rect">
+            <a:avLst/>
+          </a:prstGeom>
+        </p:spPr>
+      </p:pic>
+    </p:spTree>
+  </p:cSld>
+  <p:clrMapOvr>
+    <a:masterClrMapping/>
+  </p:clrMapOvr>
+</p:sld>
+</file>
+
+<file path=ppt/slides/slide15.xml><?xml version="1.0" encoding="utf-8"?>
+<p:sld xmlns:a="http://schemas.openxmlformats.org/drawingml/2006/main" xmlns:p="http://schemas.openxmlformats.org/presentationml/2006/main" xmlns:r="http://schemas.openxmlformats.org/officeDocument/2006/relationships">
+  <p:cSld>
+    <p:bg>
+      <p:bgPr>
+        <a:solidFill>
+          <a:srgbClr val="F3F1B5"/>
+        </a:solidFill>
+        <a:effectLst/>
+      </p:bgPr>
+    </p:bg>
+    <p:spTree>
+      <p:nvGrpSpPr>
+        <p:cNvPr id="1" name=""/>
+        <p:cNvGrpSpPr/>
+        <p:nvPr/>
+      </p:nvGrpSpPr>
+      <p:grpSpPr/>
+      <p:sp>
+        <p:nvSpPr>
+          <p:cNvPr id="2" name="Title 1"/>
+          <p:cNvSpPr>
+            <a:spLocks noGrp="1"/>
+          </p:cNvSpPr>
+          <p:nvPr>
+            <p:ph type="ctrTitle"/>
+          </p:nvPr>
+        </p:nvSpPr>
+        <p:spPr>
+          <a:xfrm>
+            <a:off x="91440" y="914400"/>
+            <a:ext cx="1828800" cy="0"/>
+          </a:xfrm>
+        </p:spPr>
+        <p:txBody>
+          <a:bodyPr/>
+          <a:lstStyle/>
+          <a:p>
+            <a:r>
+              <a:t>S.5.5</a:t>
+            </a:r>
+          </a:p>
+        </p:txBody>
+      </p:sp>
+      <p:sp>
+        <p:nvSpPr>
+          <p:cNvPr id="3" name="Subtitle 2"/>
+          <p:cNvSpPr>
+            <a:spLocks noGrp="1"/>
+          </p:cNvSpPr>
+          <p:nvPr>
+            <p:ph type="subTitle" idx="1"/>
+          </p:nvPr>
+        </p:nvSpPr>
+        <p:spPr/>
+        <p:txBody>
+          <a:bodyPr/>
+          <a:lstStyle/>
+          <a:p/>
+        </p:txBody>
+      </p:sp>
+      <p:pic>
+        <p:nvPicPr>
+          <p:cNvPr id="4" name="Picture 3" descr="image.png"/>
+          <p:cNvPicPr>
+            <a:picLocks noChangeAspect="1"/>
+          </p:cNvPicPr>
+          <p:nvPr/>
+        </p:nvPicPr>
+        <p:blipFill>
+          <a:blip r:embed="rId2"/>
+          <a:stretch>
+            <a:fillRect/>
+          </a:stretch>
+        </p:blipFill>
+        <p:spPr>
+          <a:xfrm>
+            <a:off x="274320" y="2286000"/>
+            <a:ext cx="14340405" cy="5029200"/>
+          </a:xfrm>
+          <a:prstGeom prst="rect">
+            <a:avLst/>
+          </a:prstGeom>
+        </p:spPr>
+      </p:pic>
+      <p:pic>
+        <p:nvPicPr>
+          <p:cNvPr id="5" name="Picture 4" descr="image.png"/>
+          <p:cNvPicPr>
+            <a:picLocks noChangeAspect="1"/>
+          </p:cNvPicPr>
+          <p:nvPr/>
+        </p:nvPicPr>
+        <p:blipFill>
+          <a:blip r:embed="rId3"/>
+          <a:stretch>
+            <a:fillRect/>
+          </a:stretch>
+        </p:blipFill>
+        <p:spPr>
+          <a:xfrm>
+            <a:off x="274320" y="10058400"/>
             <a:ext cx="1368862" cy="1371600"/>
           </a:xfrm>
           <a:prstGeom prst="rect">
@@ -3823,7 +3908,7 @@
         </p:nvSpPr>
         <p:spPr>
           <a:xfrm>
-            <a:off x="91440" y="1097280"/>
+            <a:off x="91440" y="914400"/>
             <a:ext cx="1828800" cy="0"/>
           </a:xfrm>
         </p:spPr>
@@ -3832,7 +3917,7 @@
           <a:lstStyle/>
           <a:p>
             <a:r>
-              <a:t>S.5.4</a:t>
+              <a:t>S.2</a:t>
             </a:r>
           </a:p>
         </p:txBody>
@@ -3894,7 +3979,7 @@
         </p:blipFill>
         <p:spPr>
           <a:xfrm>
-            <a:off x="274320" y="10515600"/>
+            <a:off x="274320" y="10058400"/>
             <a:ext cx="1368862" cy="1371600"/>
           </a:xfrm>
           <a:prstGeom prst="rect">
@@ -3940,7 +4025,7 @@
         </p:nvSpPr>
         <p:spPr>
           <a:xfrm>
-            <a:off x="91440" y="1097280"/>
+            <a:off x="91440" y="914400"/>
             <a:ext cx="1828800" cy="0"/>
           </a:xfrm>
         </p:spPr>
@@ -3949,7 +4034,7 @@
           <a:lstStyle/>
           <a:p>
             <a:r>
-              <a:t>S.3</a:t>
+              <a:t>S.5.4</a:t>
             </a:r>
           </a:p>
         </p:txBody>
@@ -3973,7 +4058,7 @@
       </p:sp>
       <p:pic>
         <p:nvPicPr>
-          <p:cNvPr id="4" name="Picture 3" descr="image.jpg"/>
+          <p:cNvPr id="4" name="Picture 3" descr="image.png"/>
           <p:cNvPicPr>
             <a:picLocks noChangeAspect="1"/>
           </p:cNvPicPr>
@@ -3988,7 +4073,7 @@
         <p:spPr>
           <a:xfrm>
             <a:off x="274320" y="2286000"/>
-            <a:ext cx="7155833" cy="5029200"/>
+            <a:ext cx="14340405" cy="5029200"/>
           </a:xfrm>
           <a:prstGeom prst="rect">
             <a:avLst/>
@@ -4011,7 +4096,7 @@
         </p:blipFill>
         <p:spPr>
           <a:xfrm>
-            <a:off x="274320" y="10515600"/>
+            <a:off x="274320" y="10058400"/>
             <a:ext cx="1368862" cy="1371600"/>
           </a:xfrm>
           <a:prstGeom prst="rect">
@@ -4057,7 +4142,7 @@
         </p:nvSpPr>
         <p:spPr>
           <a:xfrm>
-            <a:off x="91440" y="1097280"/>
+            <a:off x="91440" y="914400"/>
             <a:ext cx="1828800" cy="0"/>
           </a:xfrm>
         </p:spPr>
@@ -4066,7 +4151,7 @@
           <a:lstStyle/>
           <a:p>
             <a:r>
-              <a:t>S.5.1</a:t>
+              <a:t>S.3</a:t>
             </a:r>
           </a:p>
         </p:txBody>
@@ -4090,7 +4175,7 @@
       </p:sp>
       <p:pic>
         <p:nvPicPr>
-          <p:cNvPr id="4" name="Picture 3" descr="image.png"/>
+          <p:cNvPr id="4" name="Picture 3" descr="image.jpg"/>
           <p:cNvPicPr>
             <a:picLocks noChangeAspect="1"/>
           </p:cNvPicPr>
@@ -4105,7 +4190,7 @@
         <p:spPr>
           <a:xfrm>
             <a:off x="274320" y="2286000"/>
-            <a:ext cx="14340405" cy="5029200"/>
+            <a:ext cx="7155833" cy="5029200"/>
           </a:xfrm>
           <a:prstGeom prst="rect">
             <a:avLst/>
@@ -4128,7 +4213,7 @@
         </p:blipFill>
         <p:spPr>
           <a:xfrm>
-            <a:off x="274320" y="10515600"/>
+            <a:off x="274320" y="10058400"/>
             <a:ext cx="1368862" cy="1371600"/>
           </a:xfrm>
           <a:prstGeom prst="rect">
@@ -4174,7 +4259,7 @@
         </p:nvSpPr>
         <p:spPr>
           <a:xfrm>
-            <a:off x="91440" y="1097280"/>
+            <a:off x="91440" y="914400"/>
             <a:ext cx="1828800" cy="0"/>
           </a:xfrm>
         </p:spPr>
@@ -4183,7 +4268,7 @@
           <a:lstStyle/>
           <a:p>
             <a:r>
-              <a:t>I.3</a:t>
+              <a:t>S.5.1</a:t>
             </a:r>
           </a:p>
         </p:txBody>
@@ -4245,7 +4330,7 @@
         </p:blipFill>
         <p:spPr>
           <a:xfrm>
-            <a:off x="274320" y="10515600"/>
+            <a:off x="274320" y="10058400"/>
             <a:ext cx="1368862" cy="1371600"/>
           </a:xfrm>
           <a:prstGeom prst="rect">
@@ -4291,7 +4376,7 @@
         </p:nvSpPr>
         <p:spPr>
           <a:xfrm>
-            <a:off x="91440" y="1097280"/>
+            <a:off x="91440" y="914400"/>
             <a:ext cx="1828800" cy="0"/>
           </a:xfrm>
         </p:spPr>
@@ -4300,7 +4385,7 @@
           <a:lstStyle/>
           <a:p>
             <a:r>
-              <a:t>S.4</a:t>
+              <a:t>I.3</a:t>
             </a:r>
           </a:p>
         </p:txBody>
@@ -4362,7 +4447,7 @@
         </p:blipFill>
         <p:spPr>
           <a:xfrm>
-            <a:off x="274320" y="10515600"/>
+            <a:off x="274320" y="10058400"/>
             <a:ext cx="1368862" cy="1371600"/>
           </a:xfrm>
           <a:prstGeom prst="rect">
@@ -4408,7 +4493,7 @@
         </p:nvSpPr>
         <p:spPr>
           <a:xfrm>
-            <a:off x="91440" y="1097280"/>
+            <a:off x="91440" y="914400"/>
             <a:ext cx="1828800" cy="0"/>
           </a:xfrm>
         </p:spPr>
@@ -4417,7 +4502,7 @@
           <a:lstStyle/>
           <a:p>
             <a:r>
-              <a:t>S.5.2</a:t>
+              <a:t>S.4</a:t>
             </a:r>
           </a:p>
         </p:txBody>
@@ -4479,7 +4564,7 @@
         </p:blipFill>
         <p:spPr>
           <a:xfrm>
-            <a:off x="274320" y="10515600"/>
+            <a:off x="274320" y="10058400"/>
             <a:ext cx="1368862" cy="1371600"/>
           </a:xfrm>
           <a:prstGeom prst="rect">
@@ -4525,7 +4610,7 @@
         </p:nvSpPr>
         <p:spPr>
           <a:xfrm>
-            <a:off x="91440" y="1097280"/>
+            <a:off x="91440" y="914400"/>
             <a:ext cx="1828800" cy="0"/>
           </a:xfrm>
         </p:spPr>
@@ -4534,7 +4619,7 @@
           <a:lstStyle/>
           <a:p>
             <a:r>
-              <a:t>S.5.3</a:t>
+              <a:t>S.5.2</a:t>
             </a:r>
           </a:p>
         </p:txBody>
@@ -4596,7 +4681,7 @@
         </p:blipFill>
         <p:spPr>
           <a:xfrm>
-            <a:off x="274320" y="10515600"/>
+            <a:off x="274320" y="10058400"/>
             <a:ext cx="1368862" cy="1371600"/>
           </a:xfrm>
           <a:prstGeom prst="rect">
@@ -4642,7 +4727,7 @@
         </p:nvSpPr>
         <p:spPr>
           <a:xfrm>
-            <a:off x="91440" y="1097280"/>
+            <a:off x="91440" y="914400"/>
             <a:ext cx="1828800" cy="0"/>
           </a:xfrm>
         </p:spPr>
@@ -4651,7 +4736,7 @@
           <a:lstStyle/>
           <a:p>
             <a:r>
-              <a:t>I.1</a:t>
+              <a:t>S.5.3</a:t>
             </a:r>
           </a:p>
         </p:txBody>
@@ -4713,7 +4798,7 @@
         </p:blipFill>
         <p:spPr>
           <a:xfrm>
-            <a:off x="274320" y="10515600"/>
+            <a:off x="274320" y="10058400"/>
             <a:ext cx="1368862" cy="1371600"/>
           </a:xfrm>
           <a:prstGeom prst="rect">

--- a/ppt/test.pptx
+++ b/ppt/test.pptx
@@ -20,6 +20,9 @@
     <p:sldId id="268" r:id="rId19"/>
     <p:sldId id="269" r:id="rId20"/>
     <p:sldId id="270" r:id="rId21"/>
+    <p:sldId id="271" r:id="rId22"/>
+    <p:sldId id="272" r:id="rId23"/>
+    <p:sldId id="273" r:id="rId24"/>
   </p:sldIdLst>
   <p:sldSz cx="7781544" cy="11896344" type="screen4x3"/>
   <p:notesSz cx="6858000" cy="9144000"/>
@@ -3215,7 +3218,7 @@
           <a:lstStyle/>
           <a:p>
             <a:r>
-              <a:t>I.1</a:t>
+              <a:t>S.4</a:t>
             </a:r>
           </a:p>
         </p:txBody>
@@ -3332,7 +3335,7 @@
           <a:lstStyle/>
           <a:p>
             <a:r>
-              <a:t>I.2</a:t>
+              <a:t>S.5.2</a:t>
             </a:r>
           </a:p>
         </p:txBody>
@@ -3449,7 +3452,7 @@
           <a:lstStyle/>
           <a:p>
             <a:r>
-              <a:t>S.5.6</a:t>
+              <a:t>S.5.3</a:t>
             </a:r>
           </a:p>
         </p:txBody>
@@ -3566,7 +3569,7 @@
           <a:lstStyle/>
           <a:p>
             <a:r>
-              <a:t>S.1</a:t>
+              <a:t>I.1</a:t>
             </a:r>
           </a:p>
         </p:txBody>
@@ -3590,7 +3593,7 @@
       </p:sp>
       <p:pic>
         <p:nvPicPr>
-          <p:cNvPr id="4" name="Picture 3" descr="image.jpg"/>
+          <p:cNvPr id="4" name="Picture 3" descr="image.png"/>
           <p:cNvPicPr>
             <a:picLocks noChangeAspect="1"/>
           </p:cNvPicPr>
@@ -3605,7 +3608,7 @@
         <p:spPr>
           <a:xfrm>
             <a:off x="274320" y="2286000"/>
-            <a:ext cx="7155833" cy="5029200"/>
+            <a:ext cx="14340405" cy="5029200"/>
           </a:xfrm>
           <a:prstGeom prst="rect">
             <a:avLst/>
@@ -3683,7 +3686,7 @@
           <a:lstStyle/>
           <a:p>
             <a:r>
-              <a:t>O.1</a:t>
+              <a:t>I.2</a:t>
             </a:r>
           </a:p>
         </p:txBody>
@@ -3800,7 +3803,7 @@
           <a:lstStyle/>
           <a:p>
             <a:r>
-              <a:t>S.5.5</a:t>
+              <a:t>S.5.6</a:t>
             </a:r>
           </a:p>
         </p:txBody>
@@ -3878,7 +3881,7 @@
 </p:sld>
 </file>
 
-<file path=ppt/slides/slide2.xml><?xml version="1.0" encoding="utf-8"?>
+<file path=ppt/slides/slide16.xml><?xml version="1.0" encoding="utf-8"?>
 <p:sld xmlns:a="http://schemas.openxmlformats.org/drawingml/2006/main" xmlns:p="http://schemas.openxmlformats.org/presentationml/2006/main" xmlns:r="http://schemas.openxmlformats.org/officeDocument/2006/relationships">
   <p:cSld>
     <p:bg>
@@ -3917,7 +3920,7 @@
           <a:lstStyle/>
           <a:p>
             <a:r>
-              <a:t>S.2</a:t>
+              <a:t>S.1</a:t>
             </a:r>
           </a:p>
         </p:txBody>
@@ -3941,7 +3944,7 @@
       </p:sp>
       <p:pic>
         <p:nvPicPr>
-          <p:cNvPr id="4" name="Picture 3" descr="image.png"/>
+          <p:cNvPr id="4" name="Picture 3" descr="image.jpg"/>
           <p:cNvPicPr>
             <a:picLocks noChangeAspect="1"/>
           </p:cNvPicPr>
@@ -3956,7 +3959,7 @@
         <p:spPr>
           <a:xfrm>
             <a:off x="274320" y="2286000"/>
-            <a:ext cx="14340405" cy="5029200"/>
+            <a:ext cx="7155833" cy="5029200"/>
           </a:xfrm>
           <a:prstGeom prst="rect">
             <a:avLst/>
@@ -3995,7 +3998,7 @@
 </p:sld>
 </file>
 
-<file path=ppt/slides/slide3.xml><?xml version="1.0" encoding="utf-8"?>
+<file path=ppt/slides/slide17.xml><?xml version="1.0" encoding="utf-8"?>
 <p:sld xmlns:a="http://schemas.openxmlformats.org/drawingml/2006/main" xmlns:p="http://schemas.openxmlformats.org/presentationml/2006/main" xmlns:r="http://schemas.openxmlformats.org/officeDocument/2006/relationships">
   <p:cSld>
     <p:bg>
@@ -4034,7 +4037,7 @@
           <a:lstStyle/>
           <a:p>
             <a:r>
-              <a:t>S.5.4</a:t>
+              <a:t>O.1</a:t>
             </a:r>
           </a:p>
         </p:txBody>
@@ -4112,7 +4115,7 @@
 </p:sld>
 </file>
 
-<file path=ppt/slides/slide4.xml><?xml version="1.0" encoding="utf-8"?>
+<file path=ppt/slides/slide18.xml><?xml version="1.0" encoding="utf-8"?>
 <p:sld xmlns:a="http://schemas.openxmlformats.org/drawingml/2006/main" xmlns:p="http://schemas.openxmlformats.org/presentationml/2006/main" xmlns:r="http://schemas.openxmlformats.org/officeDocument/2006/relationships">
   <p:cSld>
     <p:bg>
@@ -4151,7 +4154,7 @@
           <a:lstStyle/>
           <a:p>
             <a:r>
-              <a:t>S.3</a:t>
+              <a:t>S.5.5</a:t>
             </a:r>
           </a:p>
         </p:txBody>
@@ -4175,7 +4178,7 @@
       </p:sp>
       <p:pic>
         <p:nvPicPr>
-          <p:cNvPr id="4" name="Picture 3" descr="image.jpg"/>
+          <p:cNvPr id="4" name="Picture 3" descr="image.png"/>
           <p:cNvPicPr>
             <a:picLocks noChangeAspect="1"/>
           </p:cNvPicPr>
@@ -4190,7 +4193,7 @@
         <p:spPr>
           <a:xfrm>
             <a:off x="274320" y="2286000"/>
-            <a:ext cx="7155833" cy="5029200"/>
+            <a:ext cx="14340405" cy="5029200"/>
           </a:xfrm>
           <a:prstGeom prst="rect">
             <a:avLst/>
@@ -4215,6 +4218,258 @@
           <a:xfrm>
             <a:off x="274320" y="10058400"/>
             <a:ext cx="1368862" cy="1371600"/>
+          </a:xfrm>
+          <a:prstGeom prst="rect">
+            <a:avLst/>
+          </a:prstGeom>
+        </p:spPr>
+      </p:pic>
+    </p:spTree>
+  </p:cSld>
+  <p:clrMapOvr>
+    <a:masterClrMapping/>
+  </p:clrMapOvr>
+</p:sld>
+</file>
+
+<file path=ppt/slides/slide2.xml><?xml version="1.0" encoding="utf-8"?>
+<p:sld xmlns:a="http://schemas.openxmlformats.org/drawingml/2006/main" xmlns:p="http://schemas.openxmlformats.org/presentationml/2006/main" xmlns:r="http://schemas.openxmlformats.org/officeDocument/2006/relationships">
+  <p:cSld>
+    <p:bg>
+      <p:bgPr>
+        <a:solidFill>
+          <a:srgbClr val="CC7D5F"/>
+        </a:solidFill>
+        <a:effectLst/>
+      </p:bgPr>
+    </p:bg>
+    <p:spTree>
+      <p:nvGrpSpPr>
+        <p:cNvPr id="1" name=""/>
+        <p:cNvGrpSpPr/>
+        <p:nvPr/>
+      </p:nvGrpSpPr>
+      <p:grpSpPr/>
+      <p:sp>
+        <p:nvSpPr>
+          <p:cNvPr id="2" name="Title 1"/>
+          <p:cNvSpPr>
+            <a:spLocks noGrp="1"/>
+          </p:cNvSpPr>
+          <p:nvPr>
+            <p:ph type="ctrTitle"/>
+          </p:nvPr>
+        </p:nvSpPr>
+        <p:spPr/>
+        <p:txBody>
+          <a:bodyPr/>
+          <a:lstStyle/>
+          <a:p/>
+        </p:txBody>
+      </p:sp>
+      <p:sp>
+        <p:nvSpPr>
+          <p:cNvPr id="3" name="Subtitle 2"/>
+          <p:cNvSpPr>
+            <a:spLocks noGrp="1"/>
+          </p:cNvSpPr>
+          <p:nvPr>
+            <p:ph type="subTitle" idx="1"/>
+          </p:nvPr>
+        </p:nvSpPr>
+        <p:spPr/>
+        <p:txBody>
+          <a:bodyPr/>
+          <a:lstStyle/>
+          <a:p/>
+        </p:txBody>
+      </p:sp>
+      <p:pic>
+        <p:nvPicPr>
+          <p:cNvPr id="4" name="Picture 3" descr="image.png"/>
+          <p:cNvPicPr>
+            <a:picLocks noChangeAspect="1"/>
+          </p:cNvPicPr>
+          <p:nvPr/>
+        </p:nvPicPr>
+        <p:blipFill>
+          <a:blip r:embed="rId2"/>
+          <a:stretch>
+            <a:fillRect/>
+          </a:stretch>
+        </p:blipFill>
+        <p:spPr>
+          <a:xfrm>
+            <a:off x="-778154" y="0"/>
+            <a:ext cx="7820605" cy="11896344"/>
+          </a:xfrm>
+          <a:prstGeom prst="rect">
+            <a:avLst/>
+          </a:prstGeom>
+        </p:spPr>
+      </p:pic>
+    </p:spTree>
+  </p:cSld>
+  <p:clrMapOvr>
+    <a:masterClrMapping/>
+  </p:clrMapOvr>
+</p:sld>
+</file>
+
+<file path=ppt/slides/slide3.xml><?xml version="1.0" encoding="utf-8"?>
+<p:sld xmlns:a="http://schemas.openxmlformats.org/drawingml/2006/main" xmlns:p="http://schemas.openxmlformats.org/presentationml/2006/main" xmlns:r="http://schemas.openxmlformats.org/officeDocument/2006/relationships">
+  <p:cSld>
+    <p:bg>
+      <p:bgPr>
+        <a:solidFill>
+          <a:srgbClr val="CC7D5F"/>
+        </a:solidFill>
+        <a:effectLst/>
+      </p:bgPr>
+    </p:bg>
+    <p:spTree>
+      <p:nvGrpSpPr>
+        <p:cNvPr id="1" name=""/>
+        <p:cNvGrpSpPr/>
+        <p:nvPr/>
+      </p:nvGrpSpPr>
+      <p:grpSpPr/>
+      <p:sp>
+        <p:nvSpPr>
+          <p:cNvPr id="2" name="Title 1"/>
+          <p:cNvSpPr>
+            <a:spLocks noGrp="1"/>
+          </p:cNvSpPr>
+          <p:nvPr>
+            <p:ph type="ctrTitle"/>
+          </p:nvPr>
+        </p:nvSpPr>
+        <p:spPr/>
+        <p:txBody>
+          <a:bodyPr/>
+          <a:lstStyle/>
+          <a:p/>
+        </p:txBody>
+      </p:sp>
+      <p:sp>
+        <p:nvSpPr>
+          <p:cNvPr id="3" name="Subtitle 2"/>
+          <p:cNvSpPr>
+            <a:spLocks noGrp="1"/>
+          </p:cNvSpPr>
+          <p:nvPr>
+            <p:ph type="subTitle" idx="1"/>
+          </p:nvPr>
+        </p:nvSpPr>
+        <p:spPr/>
+        <p:txBody>
+          <a:bodyPr/>
+          <a:lstStyle/>
+          <a:p/>
+        </p:txBody>
+      </p:sp>
+      <p:pic>
+        <p:nvPicPr>
+          <p:cNvPr id="4" name="Picture 3" descr="image.png"/>
+          <p:cNvPicPr>
+            <a:picLocks noChangeAspect="1"/>
+          </p:cNvPicPr>
+          <p:nvPr/>
+        </p:nvPicPr>
+        <p:blipFill>
+          <a:blip r:embed="rId2"/>
+          <a:stretch>
+            <a:fillRect/>
+          </a:stretch>
+        </p:blipFill>
+        <p:spPr>
+          <a:xfrm>
+            <a:off x="-778154" y="0"/>
+            <a:ext cx="7772080" cy="11896344"/>
+          </a:xfrm>
+          <a:prstGeom prst="rect">
+            <a:avLst/>
+          </a:prstGeom>
+        </p:spPr>
+      </p:pic>
+    </p:spTree>
+  </p:cSld>
+  <p:clrMapOvr>
+    <a:masterClrMapping/>
+  </p:clrMapOvr>
+</p:sld>
+</file>
+
+<file path=ppt/slides/slide4.xml><?xml version="1.0" encoding="utf-8"?>
+<p:sld xmlns:a="http://schemas.openxmlformats.org/drawingml/2006/main" xmlns:p="http://schemas.openxmlformats.org/presentationml/2006/main" xmlns:r="http://schemas.openxmlformats.org/officeDocument/2006/relationships">
+  <p:cSld>
+    <p:bg>
+      <p:bgPr>
+        <a:solidFill>
+          <a:srgbClr val="CC7D5F"/>
+        </a:solidFill>
+        <a:effectLst/>
+      </p:bgPr>
+    </p:bg>
+    <p:spTree>
+      <p:nvGrpSpPr>
+        <p:cNvPr id="1" name=""/>
+        <p:cNvGrpSpPr/>
+        <p:nvPr/>
+      </p:nvGrpSpPr>
+      <p:grpSpPr/>
+      <p:sp>
+        <p:nvSpPr>
+          <p:cNvPr id="2" name="Title 1"/>
+          <p:cNvSpPr>
+            <a:spLocks noGrp="1"/>
+          </p:cNvSpPr>
+          <p:nvPr>
+            <p:ph type="ctrTitle"/>
+          </p:nvPr>
+        </p:nvSpPr>
+        <p:spPr/>
+        <p:txBody>
+          <a:bodyPr/>
+          <a:lstStyle/>
+          <a:p/>
+        </p:txBody>
+      </p:sp>
+      <p:sp>
+        <p:nvSpPr>
+          <p:cNvPr id="3" name="Subtitle 2"/>
+          <p:cNvSpPr>
+            <a:spLocks noGrp="1"/>
+          </p:cNvSpPr>
+          <p:nvPr>
+            <p:ph type="subTitle" idx="1"/>
+          </p:nvPr>
+        </p:nvSpPr>
+        <p:spPr/>
+        <p:txBody>
+          <a:bodyPr/>
+          <a:lstStyle/>
+          <a:p/>
+        </p:txBody>
+      </p:sp>
+      <p:pic>
+        <p:nvPicPr>
+          <p:cNvPr id="4" name="Picture 3" descr="image.png"/>
+          <p:cNvPicPr>
+            <a:picLocks noChangeAspect="1"/>
+          </p:cNvPicPr>
+          <p:nvPr/>
+        </p:nvPicPr>
+        <p:blipFill>
+          <a:blip r:embed="rId2"/>
+          <a:stretch>
+            <a:fillRect/>
+          </a:stretch>
+        </p:blipFill>
+        <p:spPr>
+          <a:xfrm>
+            <a:off x="-778154" y="0"/>
+            <a:ext cx="7801858" cy="11896344"/>
           </a:xfrm>
           <a:prstGeom prst="rect">
             <a:avLst/>
@@ -4268,7 +4523,7 @@
           <a:lstStyle/>
           <a:p>
             <a:r>
-              <a:t>S.5.1</a:t>
+              <a:t>S.2</a:t>
             </a:r>
           </a:p>
         </p:txBody>
@@ -4385,7 +4640,7 @@
           <a:lstStyle/>
           <a:p>
             <a:r>
-              <a:t>I.3</a:t>
+              <a:t>S.5.4</a:t>
             </a:r>
           </a:p>
         </p:txBody>
@@ -4502,7 +4757,7 @@
           <a:lstStyle/>
           <a:p>
             <a:r>
-              <a:t>S.4</a:t>
+              <a:t>S.3</a:t>
             </a:r>
           </a:p>
         </p:txBody>
@@ -4526,7 +4781,7 @@
       </p:sp>
       <p:pic>
         <p:nvPicPr>
-          <p:cNvPr id="4" name="Picture 3" descr="image.png"/>
+          <p:cNvPr id="4" name="Picture 3" descr="image.jpg"/>
           <p:cNvPicPr>
             <a:picLocks noChangeAspect="1"/>
           </p:cNvPicPr>
@@ -4541,7 +4796,7 @@
         <p:spPr>
           <a:xfrm>
             <a:off x="274320" y="2286000"/>
-            <a:ext cx="14340405" cy="5029200"/>
+            <a:ext cx="7155833" cy="5029200"/>
           </a:xfrm>
           <a:prstGeom prst="rect">
             <a:avLst/>
@@ -4619,7 +4874,7 @@
           <a:lstStyle/>
           <a:p>
             <a:r>
-              <a:t>S.5.2</a:t>
+              <a:t>S.5.1</a:t>
             </a:r>
           </a:p>
         </p:txBody>
@@ -4736,7 +4991,7 @@
           <a:lstStyle/>
           <a:p>
             <a:r>
-              <a:t>S.5.3</a:t>
+              <a:t>I.3</a:t>
             </a:r>
           </a:p>
         </p:txBody>
